--- a/Day 3/Slides/1. Course Overview/course-overview-slides.pptx
+++ b/Day 3/Slides/1. Course Overview/course-overview-slides.pptx
@@ -5,18 +5,18 @@
     <p:sldMasterId id="2147483648" r:id="rId1"/>
   </p:sldMasterIdLst>
   <p:notesMasterIdLst>
-    <p:notesMasterId r:id="rId12"/>
+    <p:notesMasterId r:id="rId11"/>
   </p:notesMasterIdLst>
   <p:sldIdLst>
-    <p:sldId id="257" r:id="rId3"/>
-    <p:sldId id="256" r:id="rId4"/>
-    <p:sldId id="258" r:id="rId5"/>
-    <p:sldId id="259" r:id="rId6"/>
-    <p:sldId id="260" r:id="rId7"/>
-    <p:sldId id="261" r:id="rId8"/>
-    <p:sldId id="262" r:id="rId9"/>
-    <p:sldId id="263" r:id="rId10"/>
-    <p:sldId id="264" r:id="rId11"/>
+    <p:sldId id="257" r:id="rId2"/>
+    <p:sldId id="256" r:id="rId3"/>
+    <p:sldId id="258" r:id="rId4"/>
+    <p:sldId id="259" r:id="rId5"/>
+    <p:sldId id="260" r:id="rId6"/>
+    <p:sldId id="261" r:id="rId7"/>
+    <p:sldId id="262" r:id="rId8"/>
+    <p:sldId id="263" r:id="rId9"/>
+    <p:sldId id="264" r:id="rId10"/>
   </p:sldIdLst>
   <p:sldSz cx="12192000" cy="6858000"/>
   <p:notesSz cx="6858000" cy="9144000"/>
@@ -115,6 +115,11 @@
       </a:defRPr>
     </a:lvl9pPr>
   </p:defaultTextStyle>
+  <p:extLst>
+    <p:ext uri="{EFAFB233-063F-42B5-8137-9DF3F51BA10A}">
+      <p15:sldGuideLst xmlns:p15="http://schemas.microsoft.com/office/powerpoint/2012/main"/>
+    </p:ext>
+  </p:extLst>
 </p:presentation>
 </file>
 
@@ -200,6 +205,7 @@
           <a:p>
             <a:fld id="{3EFD42F7-718C-4B98-AAEC-167E6DDD60A7}" type="datetimeFigureOut">
               <a:rPr lang="en-US" smtClean="0"/>
+              <a:t>8/7/2023</a:t>
             </a:fld>
             <a:endParaRPr lang="en-US"/>
           </a:p>
@@ -263,42 +269,37 @@
           <a:p>
             <a:pPr lvl="0"/>
             <a:r>
-              <a:rPr lang="en-US" smtClean="0"/>
+              <a:rPr lang="en-US"/>
               <a:t>Click to edit Master text styles</a:t>
             </a:r>
-            <a:endParaRPr lang="en-US" smtClean="0"/>
           </a:p>
           <a:p>
             <a:pPr lvl="1"/>
             <a:r>
-              <a:rPr lang="en-US" smtClean="0"/>
+              <a:rPr lang="en-US"/>
               <a:t>Second level</a:t>
             </a:r>
-            <a:endParaRPr lang="en-US" smtClean="0"/>
           </a:p>
           <a:p>
             <a:pPr lvl="2"/>
             <a:r>
-              <a:rPr lang="en-US" smtClean="0"/>
+              <a:rPr lang="en-US"/>
               <a:t>Third level</a:t>
             </a:r>
-            <a:endParaRPr lang="en-US" smtClean="0"/>
           </a:p>
           <a:p>
             <a:pPr lvl="3"/>
             <a:r>
-              <a:rPr lang="en-US" smtClean="0"/>
+              <a:rPr lang="en-US"/>
               <a:t>Fourth level</a:t>
             </a:r>
-            <a:endParaRPr lang="en-US" smtClean="0"/>
           </a:p>
           <a:p>
             <a:pPr lvl="4"/>
             <a:r>
-              <a:rPr lang="en-US" smtClean="0"/>
+              <a:rPr lang="en-US"/>
               <a:t>Fifth level</a:t>
             </a:r>
-            <a:endParaRPr lang="en-US"/>
           </a:p>
         </p:txBody>
       </p:sp>
@@ -362,6 +363,7 @@
           <a:p>
             <a:fld id="{21B2AA4F-B828-4D7C-AFD3-893933DAFCB4}" type="slidenum">
               <a:rPr lang="en-US" smtClean="0"/>
+              <a:t>‹#›</a:t>
             </a:fld>
             <a:endParaRPr lang="en-US"/>
           </a:p>
@@ -507,10 +509,9 @@
           </a:lstStyle>
           <a:p>
             <a:r>
-              <a:rPr lang="en-US" smtClean="0"/>
+              <a:rPr lang="en-US"/>
               <a:t>Click to edit Master title style</a:t>
             </a:r>
-            <a:endParaRPr lang="en-US"/>
           </a:p>
         </p:txBody>
       </p:sp>
@@ -572,10 +573,9 @@
           </a:lstStyle>
           <a:p>
             <a:r>
-              <a:rPr lang="en-US" smtClean="0"/>
+              <a:rPr lang="en-US"/>
               <a:t>Click to edit Master subtitle style</a:t>
             </a:r>
-            <a:endParaRPr lang="en-US"/>
           </a:p>
         </p:txBody>
       </p:sp>
@@ -596,6 +596,7 @@
           <a:p>
             <a:fld id="{63A1C593-65D0-4073-BCC9-577B9352EA97}" type="datetimeFigureOut">
               <a:rPr lang="en-US" smtClean="0"/>
+              <a:t>8/7/2023</a:t>
             </a:fld>
             <a:endParaRPr lang="en-US"/>
           </a:p>
@@ -637,6 +638,7 @@
           <a:p>
             <a:fld id="{9B618960-8005-486C-9A75-10CB2AAC16F9}" type="slidenum">
               <a:rPr lang="en-US" smtClean="0"/>
+              <a:t>‹#›</a:t>
             </a:fld>
             <a:endParaRPr lang="en-US"/>
           </a:p>
@@ -684,10 +686,9 @@
           <a:lstStyle/>
           <a:p>
             <a:r>
-              <a:rPr lang="en-US" smtClean="0"/>
+              <a:rPr lang="en-US"/>
               <a:t>Click to edit Master title style</a:t>
             </a:r>
-            <a:endParaRPr lang="en-US"/>
           </a:p>
         </p:txBody>
       </p:sp>
@@ -708,42 +709,37 @@
           <a:p>
             <a:pPr lvl="0"/>
             <a:r>
-              <a:rPr lang="en-US" smtClean="0"/>
+              <a:rPr lang="en-US"/>
               <a:t>Click to edit Master text styles</a:t>
             </a:r>
-            <a:endParaRPr lang="en-US" smtClean="0"/>
           </a:p>
           <a:p>
             <a:pPr lvl="1"/>
             <a:r>
-              <a:rPr lang="en-US" smtClean="0"/>
+              <a:rPr lang="en-US"/>
               <a:t>Second level</a:t>
             </a:r>
-            <a:endParaRPr lang="en-US" smtClean="0"/>
           </a:p>
           <a:p>
             <a:pPr lvl="2"/>
             <a:r>
-              <a:rPr lang="en-US" smtClean="0"/>
+              <a:rPr lang="en-US"/>
               <a:t>Third level</a:t>
             </a:r>
-            <a:endParaRPr lang="en-US" smtClean="0"/>
           </a:p>
           <a:p>
             <a:pPr lvl="3"/>
             <a:r>
-              <a:rPr lang="en-US" smtClean="0"/>
+              <a:rPr lang="en-US"/>
               <a:t>Fourth level</a:t>
             </a:r>
-            <a:endParaRPr lang="en-US" smtClean="0"/>
           </a:p>
           <a:p>
             <a:pPr lvl="4"/>
             <a:r>
-              <a:rPr lang="en-US" smtClean="0"/>
+              <a:rPr lang="en-US"/>
               <a:t>Fifth level</a:t>
             </a:r>
-            <a:endParaRPr lang="en-US"/>
           </a:p>
         </p:txBody>
       </p:sp>
@@ -764,6 +760,7 @@
           <a:p>
             <a:fld id="{63A1C593-65D0-4073-BCC9-577B9352EA97}" type="datetimeFigureOut">
               <a:rPr lang="en-US" smtClean="0"/>
+              <a:t>8/7/2023</a:t>
             </a:fld>
             <a:endParaRPr lang="en-US"/>
           </a:p>
@@ -805,6 +802,7 @@
           <a:p>
             <a:fld id="{9B618960-8005-486C-9A75-10CB2AAC16F9}" type="slidenum">
               <a:rPr lang="en-US" smtClean="0"/>
+              <a:t>‹#›</a:t>
             </a:fld>
             <a:endParaRPr lang="en-US"/>
           </a:p>
@@ -857,10 +855,9 @@
           <a:lstStyle/>
           <a:p>
             <a:r>
-              <a:rPr lang="en-US" smtClean="0"/>
+              <a:rPr lang="en-US"/>
               <a:t>Click to edit Master title style</a:t>
             </a:r>
-            <a:endParaRPr lang="en-US"/>
           </a:p>
         </p:txBody>
       </p:sp>
@@ -886,42 +883,37 @@
           <a:p>
             <a:pPr lvl="0"/>
             <a:r>
-              <a:rPr lang="en-US" smtClean="0"/>
+              <a:rPr lang="en-US"/>
               <a:t>Click to edit Master text styles</a:t>
             </a:r>
-            <a:endParaRPr lang="en-US" smtClean="0"/>
           </a:p>
           <a:p>
             <a:pPr lvl="1"/>
             <a:r>
-              <a:rPr lang="en-US" smtClean="0"/>
+              <a:rPr lang="en-US"/>
               <a:t>Second level</a:t>
             </a:r>
-            <a:endParaRPr lang="en-US" smtClean="0"/>
           </a:p>
           <a:p>
             <a:pPr lvl="2"/>
             <a:r>
-              <a:rPr lang="en-US" smtClean="0"/>
+              <a:rPr lang="en-US"/>
               <a:t>Third level</a:t>
             </a:r>
-            <a:endParaRPr lang="en-US" smtClean="0"/>
           </a:p>
           <a:p>
             <a:pPr lvl="3"/>
             <a:r>
-              <a:rPr lang="en-US" smtClean="0"/>
+              <a:rPr lang="en-US"/>
               <a:t>Fourth level</a:t>
             </a:r>
-            <a:endParaRPr lang="en-US" smtClean="0"/>
           </a:p>
           <a:p>
             <a:pPr lvl="4"/>
             <a:r>
-              <a:rPr lang="en-US" smtClean="0"/>
+              <a:rPr lang="en-US"/>
               <a:t>Fifth level</a:t>
             </a:r>
-            <a:endParaRPr lang="en-US"/>
           </a:p>
         </p:txBody>
       </p:sp>
@@ -942,6 +934,7 @@
           <a:p>
             <a:fld id="{63A1C593-65D0-4073-BCC9-577B9352EA97}" type="datetimeFigureOut">
               <a:rPr lang="en-US" smtClean="0"/>
+              <a:t>8/7/2023</a:t>
             </a:fld>
             <a:endParaRPr lang="en-US"/>
           </a:p>
@@ -983,6 +976,7 @@
           <a:p>
             <a:fld id="{9B618960-8005-486C-9A75-10CB2AAC16F9}" type="slidenum">
               <a:rPr lang="en-US" smtClean="0"/>
+              <a:t>‹#›</a:t>
             </a:fld>
             <a:endParaRPr lang="en-US"/>
           </a:p>
@@ -1030,10 +1024,9 @@
           <a:lstStyle/>
           <a:p>
             <a:r>
-              <a:rPr lang="en-US" smtClean="0"/>
+              <a:rPr lang="en-US"/>
               <a:t>Click to edit Master title style</a:t>
             </a:r>
-            <a:endParaRPr lang="en-US"/>
           </a:p>
         </p:txBody>
       </p:sp>
@@ -1054,42 +1047,37 @@
           <a:p>
             <a:pPr lvl="0"/>
             <a:r>
-              <a:rPr lang="en-US" smtClean="0"/>
+              <a:rPr lang="en-US"/>
               <a:t>Click to edit Master text styles</a:t>
             </a:r>
-            <a:endParaRPr lang="en-US" smtClean="0"/>
           </a:p>
           <a:p>
             <a:pPr lvl="1"/>
             <a:r>
-              <a:rPr lang="en-US" smtClean="0"/>
+              <a:rPr lang="en-US"/>
               <a:t>Second level</a:t>
             </a:r>
-            <a:endParaRPr lang="en-US" smtClean="0"/>
           </a:p>
           <a:p>
             <a:pPr lvl="2"/>
             <a:r>
-              <a:rPr lang="en-US" smtClean="0"/>
+              <a:rPr lang="en-US"/>
               <a:t>Third level</a:t>
             </a:r>
-            <a:endParaRPr lang="en-US" smtClean="0"/>
           </a:p>
           <a:p>
             <a:pPr lvl="3"/>
             <a:r>
-              <a:rPr lang="en-US" smtClean="0"/>
+              <a:rPr lang="en-US"/>
               <a:t>Fourth level</a:t>
             </a:r>
-            <a:endParaRPr lang="en-US" smtClean="0"/>
           </a:p>
           <a:p>
             <a:pPr lvl="4"/>
             <a:r>
-              <a:rPr lang="en-US" smtClean="0"/>
+              <a:rPr lang="en-US"/>
               <a:t>Fifth level</a:t>
             </a:r>
-            <a:endParaRPr lang="en-US"/>
           </a:p>
         </p:txBody>
       </p:sp>
@@ -1110,6 +1098,7 @@
           <a:p>
             <a:fld id="{63A1C593-65D0-4073-BCC9-577B9352EA97}" type="datetimeFigureOut">
               <a:rPr lang="en-US" smtClean="0"/>
+              <a:t>8/7/2023</a:t>
             </a:fld>
             <a:endParaRPr lang="en-US"/>
           </a:p>
@@ -1151,6 +1140,7 @@
           <a:p>
             <a:fld id="{9B618960-8005-486C-9A75-10CB2AAC16F9}" type="slidenum">
               <a:rPr lang="en-US" smtClean="0"/>
+              <a:t>‹#›</a:t>
             </a:fld>
             <a:endParaRPr lang="en-US"/>
           </a:p>
@@ -1207,10 +1197,9 @@
           </a:lstStyle>
           <a:p>
             <a:r>
-              <a:rPr lang="en-US" smtClean="0"/>
+              <a:rPr lang="en-US"/>
               <a:t>Click to edit Master title style</a:t>
             </a:r>
-            <a:endParaRPr lang="en-US"/>
           </a:p>
         </p:txBody>
       </p:sp>
@@ -1327,10 +1316,9 @@
           <a:p>
             <a:pPr lvl="0"/>
             <a:r>
-              <a:rPr lang="en-US" smtClean="0"/>
+              <a:rPr lang="en-US"/>
               <a:t>Click to edit Master text styles</a:t>
             </a:r>
-            <a:endParaRPr lang="en-US" smtClean="0"/>
           </a:p>
         </p:txBody>
       </p:sp>
@@ -1351,6 +1339,7 @@
           <a:p>
             <a:fld id="{63A1C593-65D0-4073-BCC9-577B9352EA97}" type="datetimeFigureOut">
               <a:rPr lang="en-US" smtClean="0"/>
+              <a:t>8/7/2023</a:t>
             </a:fld>
             <a:endParaRPr lang="en-US"/>
           </a:p>
@@ -1392,6 +1381,7 @@
           <a:p>
             <a:fld id="{9B618960-8005-486C-9A75-10CB2AAC16F9}" type="slidenum">
               <a:rPr lang="en-US" smtClean="0"/>
+              <a:t>‹#›</a:t>
             </a:fld>
             <a:endParaRPr lang="en-US"/>
           </a:p>
@@ -1439,10 +1429,9 @@
           <a:lstStyle/>
           <a:p>
             <a:r>
-              <a:rPr lang="en-US" smtClean="0"/>
+              <a:rPr lang="en-US"/>
               <a:t>Click to edit Master title style</a:t>
             </a:r>
-            <a:endParaRPr lang="en-US"/>
           </a:p>
         </p:txBody>
       </p:sp>
@@ -1468,42 +1457,37 @@
           <a:p>
             <a:pPr lvl="0"/>
             <a:r>
-              <a:rPr lang="en-US" smtClean="0"/>
+              <a:rPr lang="en-US"/>
               <a:t>Click to edit Master text styles</a:t>
             </a:r>
-            <a:endParaRPr lang="en-US" smtClean="0"/>
           </a:p>
           <a:p>
             <a:pPr lvl="1"/>
             <a:r>
-              <a:rPr lang="en-US" smtClean="0"/>
+              <a:rPr lang="en-US"/>
               <a:t>Second level</a:t>
             </a:r>
-            <a:endParaRPr lang="en-US" smtClean="0"/>
           </a:p>
           <a:p>
             <a:pPr lvl="2"/>
             <a:r>
-              <a:rPr lang="en-US" smtClean="0"/>
+              <a:rPr lang="en-US"/>
               <a:t>Third level</a:t>
             </a:r>
-            <a:endParaRPr lang="en-US" smtClean="0"/>
           </a:p>
           <a:p>
             <a:pPr lvl="3"/>
             <a:r>
-              <a:rPr lang="en-US" smtClean="0"/>
+              <a:rPr lang="en-US"/>
               <a:t>Fourth level</a:t>
             </a:r>
-            <a:endParaRPr lang="en-US" smtClean="0"/>
           </a:p>
           <a:p>
             <a:pPr lvl="4"/>
             <a:r>
-              <a:rPr lang="en-US" smtClean="0"/>
+              <a:rPr lang="en-US"/>
               <a:t>Fifth level</a:t>
             </a:r>
-            <a:endParaRPr lang="en-US"/>
           </a:p>
         </p:txBody>
       </p:sp>
@@ -1529,42 +1513,37 @@
           <a:p>
             <a:pPr lvl="0"/>
             <a:r>
-              <a:rPr lang="en-US" smtClean="0"/>
+              <a:rPr lang="en-US"/>
               <a:t>Click to edit Master text styles</a:t>
             </a:r>
-            <a:endParaRPr lang="en-US" smtClean="0"/>
           </a:p>
           <a:p>
             <a:pPr lvl="1"/>
             <a:r>
-              <a:rPr lang="en-US" smtClean="0"/>
+              <a:rPr lang="en-US"/>
               <a:t>Second level</a:t>
             </a:r>
-            <a:endParaRPr lang="en-US" smtClean="0"/>
           </a:p>
           <a:p>
             <a:pPr lvl="2"/>
             <a:r>
-              <a:rPr lang="en-US" smtClean="0"/>
+              <a:rPr lang="en-US"/>
               <a:t>Third level</a:t>
             </a:r>
-            <a:endParaRPr lang="en-US" smtClean="0"/>
           </a:p>
           <a:p>
             <a:pPr lvl="3"/>
             <a:r>
-              <a:rPr lang="en-US" smtClean="0"/>
+              <a:rPr lang="en-US"/>
               <a:t>Fourth level</a:t>
             </a:r>
-            <a:endParaRPr lang="en-US" smtClean="0"/>
           </a:p>
           <a:p>
             <a:pPr lvl="4"/>
             <a:r>
-              <a:rPr lang="en-US" smtClean="0"/>
+              <a:rPr lang="en-US"/>
               <a:t>Fifth level</a:t>
             </a:r>
-            <a:endParaRPr lang="en-US"/>
           </a:p>
         </p:txBody>
       </p:sp>
@@ -1585,6 +1564,7 @@
           <a:p>
             <a:fld id="{63A1C593-65D0-4073-BCC9-577B9352EA97}" type="datetimeFigureOut">
               <a:rPr lang="en-US" smtClean="0"/>
+              <a:t>8/7/2023</a:t>
             </a:fld>
             <a:endParaRPr lang="en-US"/>
           </a:p>
@@ -1626,6 +1606,7 @@
           <a:p>
             <a:fld id="{9B618960-8005-486C-9A75-10CB2AAC16F9}" type="slidenum">
               <a:rPr lang="en-US" smtClean="0"/>
+              <a:t>‹#›</a:t>
             </a:fld>
             <a:endParaRPr lang="en-US"/>
           </a:p>
@@ -1678,10 +1659,9 @@
           <a:lstStyle/>
           <a:p>
             <a:r>
-              <a:rPr lang="en-US" smtClean="0"/>
+              <a:rPr lang="en-US"/>
               <a:t>Click to edit Master title style</a:t>
             </a:r>
-            <a:endParaRPr lang="en-US"/>
           </a:p>
         </p:txBody>
       </p:sp>
@@ -1744,10 +1724,9 @@
           <a:p>
             <a:pPr lvl="0"/>
             <a:r>
-              <a:rPr lang="en-US" smtClean="0"/>
+              <a:rPr lang="en-US"/>
               <a:t>Click to edit Master text styles</a:t>
             </a:r>
-            <a:endParaRPr lang="en-US" smtClean="0"/>
           </a:p>
         </p:txBody>
       </p:sp>
@@ -1773,42 +1752,37 @@
           <a:p>
             <a:pPr lvl="0"/>
             <a:r>
-              <a:rPr lang="en-US" smtClean="0"/>
+              <a:rPr lang="en-US"/>
               <a:t>Click to edit Master text styles</a:t>
             </a:r>
-            <a:endParaRPr lang="en-US" smtClean="0"/>
           </a:p>
           <a:p>
             <a:pPr lvl="1"/>
             <a:r>
-              <a:rPr lang="en-US" smtClean="0"/>
+              <a:rPr lang="en-US"/>
               <a:t>Second level</a:t>
             </a:r>
-            <a:endParaRPr lang="en-US" smtClean="0"/>
           </a:p>
           <a:p>
             <a:pPr lvl="2"/>
             <a:r>
-              <a:rPr lang="en-US" smtClean="0"/>
+              <a:rPr lang="en-US"/>
               <a:t>Third level</a:t>
             </a:r>
-            <a:endParaRPr lang="en-US" smtClean="0"/>
           </a:p>
           <a:p>
             <a:pPr lvl="3"/>
             <a:r>
-              <a:rPr lang="en-US" smtClean="0"/>
+              <a:rPr lang="en-US"/>
               <a:t>Fourth level</a:t>
             </a:r>
-            <a:endParaRPr lang="en-US" smtClean="0"/>
           </a:p>
           <a:p>
             <a:pPr lvl="4"/>
             <a:r>
-              <a:rPr lang="en-US" smtClean="0"/>
+              <a:rPr lang="en-US"/>
               <a:t>Fifth level</a:t>
             </a:r>
-            <a:endParaRPr lang="en-US"/>
           </a:p>
         </p:txBody>
       </p:sp>
@@ -1871,10 +1845,9 @@
           <a:p>
             <a:pPr lvl="0"/>
             <a:r>
-              <a:rPr lang="en-US" smtClean="0"/>
+              <a:rPr lang="en-US"/>
               <a:t>Click to edit Master text styles</a:t>
             </a:r>
-            <a:endParaRPr lang="en-US" smtClean="0"/>
           </a:p>
         </p:txBody>
       </p:sp>
@@ -1900,42 +1873,37 @@
           <a:p>
             <a:pPr lvl="0"/>
             <a:r>
-              <a:rPr lang="en-US" smtClean="0"/>
+              <a:rPr lang="en-US"/>
               <a:t>Click to edit Master text styles</a:t>
             </a:r>
-            <a:endParaRPr lang="en-US" smtClean="0"/>
           </a:p>
           <a:p>
             <a:pPr lvl="1"/>
             <a:r>
-              <a:rPr lang="en-US" smtClean="0"/>
+              <a:rPr lang="en-US"/>
               <a:t>Second level</a:t>
             </a:r>
-            <a:endParaRPr lang="en-US" smtClean="0"/>
           </a:p>
           <a:p>
             <a:pPr lvl="2"/>
             <a:r>
-              <a:rPr lang="en-US" smtClean="0"/>
+              <a:rPr lang="en-US"/>
               <a:t>Third level</a:t>
             </a:r>
-            <a:endParaRPr lang="en-US" smtClean="0"/>
           </a:p>
           <a:p>
             <a:pPr lvl="3"/>
             <a:r>
-              <a:rPr lang="en-US" smtClean="0"/>
+              <a:rPr lang="en-US"/>
               <a:t>Fourth level</a:t>
             </a:r>
-            <a:endParaRPr lang="en-US" smtClean="0"/>
           </a:p>
           <a:p>
             <a:pPr lvl="4"/>
             <a:r>
-              <a:rPr lang="en-US" smtClean="0"/>
+              <a:rPr lang="en-US"/>
               <a:t>Fifth level</a:t>
             </a:r>
-            <a:endParaRPr lang="en-US"/>
           </a:p>
         </p:txBody>
       </p:sp>
@@ -1956,6 +1924,7 @@
           <a:p>
             <a:fld id="{63A1C593-65D0-4073-BCC9-577B9352EA97}" type="datetimeFigureOut">
               <a:rPr lang="en-US" smtClean="0"/>
+              <a:t>8/7/2023</a:t>
             </a:fld>
             <a:endParaRPr lang="en-US"/>
           </a:p>
@@ -1997,6 +1966,7 @@
           <a:p>
             <a:fld id="{9B618960-8005-486C-9A75-10CB2AAC16F9}" type="slidenum">
               <a:rPr lang="en-US" smtClean="0"/>
+              <a:t>‹#›</a:t>
             </a:fld>
             <a:endParaRPr lang="en-US"/>
           </a:p>
@@ -2044,10 +2014,9 @@
           <a:lstStyle/>
           <a:p>
             <a:r>
-              <a:rPr lang="en-US" smtClean="0"/>
+              <a:rPr lang="en-US"/>
               <a:t>Click to edit Master title style</a:t>
             </a:r>
-            <a:endParaRPr lang="en-US"/>
           </a:p>
         </p:txBody>
       </p:sp>
@@ -2068,6 +2037,7 @@
           <a:p>
             <a:fld id="{63A1C593-65D0-4073-BCC9-577B9352EA97}" type="datetimeFigureOut">
               <a:rPr lang="en-US" smtClean="0"/>
+              <a:t>8/7/2023</a:t>
             </a:fld>
             <a:endParaRPr lang="en-US"/>
           </a:p>
@@ -2109,6 +2079,7 @@
           <a:p>
             <a:fld id="{9B618960-8005-486C-9A75-10CB2AAC16F9}" type="slidenum">
               <a:rPr lang="en-US" smtClean="0"/>
+              <a:t>‹#›</a:t>
             </a:fld>
             <a:endParaRPr lang="en-US"/>
           </a:p>
@@ -2157,6 +2128,7 @@
           <a:p>
             <a:fld id="{63A1C593-65D0-4073-BCC9-577B9352EA97}" type="datetimeFigureOut">
               <a:rPr lang="en-US" smtClean="0"/>
+              <a:t>8/7/2023</a:t>
             </a:fld>
             <a:endParaRPr lang="en-US"/>
           </a:p>
@@ -2198,6 +2170,7 @@
           <a:p>
             <a:fld id="{9B618960-8005-486C-9A75-10CB2AAC16F9}" type="slidenum">
               <a:rPr lang="en-US" smtClean="0"/>
+              <a:t>‹#›</a:t>
             </a:fld>
             <a:endParaRPr lang="en-US"/>
           </a:p>
@@ -2254,10 +2227,9 @@
           </a:lstStyle>
           <a:p>
             <a:r>
-              <a:rPr lang="en-US" smtClean="0"/>
+              <a:rPr lang="en-US"/>
               <a:t>Click to edit Master title style</a:t>
             </a:r>
-            <a:endParaRPr lang="en-US"/>
           </a:p>
         </p:txBody>
       </p:sp>
@@ -2311,42 +2283,37 @@
           <a:p>
             <a:pPr lvl="0"/>
             <a:r>
-              <a:rPr lang="en-US" smtClean="0"/>
+              <a:rPr lang="en-US"/>
               <a:t>Click to edit Master text styles</a:t>
             </a:r>
-            <a:endParaRPr lang="en-US" smtClean="0"/>
           </a:p>
           <a:p>
             <a:pPr lvl="1"/>
             <a:r>
-              <a:rPr lang="en-US" smtClean="0"/>
+              <a:rPr lang="en-US"/>
               <a:t>Second level</a:t>
             </a:r>
-            <a:endParaRPr lang="en-US" smtClean="0"/>
           </a:p>
           <a:p>
             <a:pPr lvl="2"/>
             <a:r>
-              <a:rPr lang="en-US" smtClean="0"/>
+              <a:rPr lang="en-US"/>
               <a:t>Third level</a:t>
             </a:r>
-            <a:endParaRPr lang="en-US" smtClean="0"/>
           </a:p>
           <a:p>
             <a:pPr lvl="3"/>
             <a:r>
-              <a:rPr lang="en-US" smtClean="0"/>
+              <a:rPr lang="en-US"/>
               <a:t>Fourth level</a:t>
             </a:r>
-            <a:endParaRPr lang="en-US" smtClean="0"/>
           </a:p>
           <a:p>
             <a:pPr lvl="4"/>
             <a:r>
-              <a:rPr lang="en-US" smtClean="0"/>
+              <a:rPr lang="en-US"/>
               <a:t>Fifth level</a:t>
             </a:r>
-            <a:endParaRPr lang="en-US"/>
           </a:p>
         </p:txBody>
       </p:sp>
@@ -2409,10 +2376,9 @@
           <a:p>
             <a:pPr lvl="0"/>
             <a:r>
-              <a:rPr lang="en-US" smtClean="0"/>
+              <a:rPr lang="en-US"/>
               <a:t>Click to edit Master text styles</a:t>
             </a:r>
-            <a:endParaRPr lang="en-US" smtClean="0"/>
           </a:p>
         </p:txBody>
       </p:sp>
@@ -2433,6 +2399,7 @@
           <a:p>
             <a:fld id="{63A1C593-65D0-4073-BCC9-577B9352EA97}" type="datetimeFigureOut">
               <a:rPr lang="en-US" smtClean="0"/>
+              <a:t>8/7/2023</a:t>
             </a:fld>
             <a:endParaRPr lang="en-US"/>
           </a:p>
@@ -2474,6 +2441,7 @@
           <a:p>
             <a:fld id="{9B618960-8005-486C-9A75-10CB2AAC16F9}" type="slidenum">
               <a:rPr lang="en-US" smtClean="0"/>
+              <a:t>‹#›</a:t>
             </a:fld>
             <a:endParaRPr lang="en-US"/>
           </a:p>
@@ -2530,10 +2498,9 @@
           </a:lstStyle>
           <a:p>
             <a:r>
-              <a:rPr lang="en-US" smtClean="0"/>
+              <a:rPr lang="en-US"/>
               <a:t>Click to edit Master title style</a:t>
             </a:r>
-            <a:endParaRPr lang="en-US"/>
           </a:p>
         </p:txBody>
       </p:sp>
@@ -2657,10 +2624,9 @@
           <a:p>
             <a:pPr lvl="0"/>
             <a:r>
-              <a:rPr lang="en-US" smtClean="0"/>
+              <a:rPr lang="en-US"/>
               <a:t>Click to edit Master text styles</a:t>
             </a:r>
-            <a:endParaRPr lang="en-US" smtClean="0"/>
           </a:p>
         </p:txBody>
       </p:sp>
@@ -2681,6 +2647,7 @@
           <a:p>
             <a:fld id="{63A1C593-65D0-4073-BCC9-577B9352EA97}" type="datetimeFigureOut">
               <a:rPr lang="en-US" smtClean="0"/>
+              <a:t>8/7/2023</a:t>
             </a:fld>
             <a:endParaRPr lang="en-US"/>
           </a:p>
@@ -2722,6 +2689,7 @@
           <a:p>
             <a:fld id="{9B618960-8005-486C-9A75-10CB2AAC16F9}" type="slidenum">
               <a:rPr lang="en-US" smtClean="0"/>
+              <a:t>‹#›</a:t>
             </a:fld>
             <a:endParaRPr lang="en-US"/>
           </a:p>
@@ -2784,10 +2752,9 @@
           <a:lstStyle/>
           <a:p>
             <a:r>
-              <a:rPr lang="en-US" smtClean="0"/>
+              <a:rPr lang="en-US"/>
               <a:t>Click to edit Master title style</a:t>
             </a:r>
-            <a:endParaRPr lang="en-US"/>
           </a:p>
         </p:txBody>
       </p:sp>
@@ -2818,42 +2785,37 @@
           <a:p>
             <a:pPr lvl="0"/>
             <a:r>
-              <a:rPr lang="en-US" smtClean="0"/>
+              <a:rPr lang="en-US"/>
               <a:t>Click to edit Master text styles</a:t>
             </a:r>
-            <a:endParaRPr lang="en-US" smtClean="0"/>
           </a:p>
           <a:p>
             <a:pPr lvl="1"/>
             <a:r>
-              <a:rPr lang="en-US" smtClean="0"/>
+              <a:rPr lang="en-US"/>
               <a:t>Second level</a:t>
             </a:r>
-            <a:endParaRPr lang="en-US" smtClean="0"/>
           </a:p>
           <a:p>
             <a:pPr lvl="2"/>
             <a:r>
-              <a:rPr lang="en-US" smtClean="0"/>
+              <a:rPr lang="en-US"/>
               <a:t>Third level</a:t>
             </a:r>
-            <a:endParaRPr lang="en-US" smtClean="0"/>
           </a:p>
           <a:p>
             <a:pPr lvl="3"/>
             <a:r>
-              <a:rPr lang="en-US" smtClean="0"/>
+              <a:rPr lang="en-US"/>
               <a:t>Fourth level</a:t>
             </a:r>
-            <a:endParaRPr lang="en-US" smtClean="0"/>
           </a:p>
           <a:p>
             <a:pPr lvl="4"/>
             <a:r>
-              <a:rPr lang="en-US" smtClean="0"/>
+              <a:rPr lang="en-US"/>
               <a:t>Fifth level</a:t>
             </a:r>
-            <a:endParaRPr lang="en-US"/>
           </a:p>
         </p:txBody>
       </p:sp>
@@ -2892,6 +2854,7 @@
           <a:p>
             <a:fld id="{63A1C593-65D0-4073-BCC9-577B9352EA97}" type="datetimeFigureOut">
               <a:rPr lang="en-US" smtClean="0"/>
+              <a:t>8/7/2023</a:t>
             </a:fld>
             <a:endParaRPr lang="en-US"/>
           </a:p>
@@ -2969,6 +2932,7 @@
           <a:p>
             <a:fld id="{9B618960-8005-486C-9A75-10CB2AAC16F9}" type="slidenum">
               <a:rPr lang="en-US" smtClean="0"/>
+              <a:t>‹#›</a:t>
             </a:fld>
             <a:endParaRPr lang="en-US"/>
           </a:p>
@@ -3337,7 +3301,9 @@
           <p:txBody>
             <a:bodyPr wrap="square" lIns="0" tIns="0" rIns="0" bIns="0" rtlCol="0"/>
             <a:lstStyle/>
-            <a:p/>
+            <a:p>
+              <a:endParaRPr/>
+            </a:p>
           </p:txBody>
         </p:sp>
         <p:pic>
@@ -3347,7 +3313,7 @@
             <p:nvPr/>
           </p:nvPicPr>
           <p:blipFill>
-            <a:blip r:embed="rId1" cstate="print"/>
+            <a:blip r:embed="rId2" cstate="print"/>
             <a:stretch>
               <a:fillRect/>
             </a:stretch>
@@ -3435,9 +3401,11 @@
         <p:spPr/>
         <p:txBody>
           <a:bodyPr/>
+          <a:lstStyle/>
           <a:p>
             <a:fld id="{B6F15528-21DE-4FAA-801E-634DDDAF4B2B}" type="slidenum">
               <a:rPr/>
+              <a:t>1</a:t>
             </a:fld>
             <a:endParaRPr/>
           </a:p>
@@ -3447,14 +3415,14 @@
         <p:nvPicPr>
           <p:cNvPr id="6" name="Content Placeholder 5"/>
           <p:cNvPicPr>
-            <a:picLocks noChangeAspect="1"/>
+            <a:picLocks noGrp="1" noChangeAspect="1"/>
           </p:cNvPicPr>
           <p:nvPr>
             <p:ph idx="1"/>
           </p:nvPr>
         </p:nvPicPr>
         <p:blipFill>
-          <a:blip r:embed="rId2"/>
+          <a:blip r:embed="rId3"/>
           <a:stretch>
             <a:fillRect/>
           </a:stretch>
@@ -3507,9 +3475,11 @@
         <p:spPr/>
         <p:txBody>
           <a:bodyPr/>
+          <a:lstStyle/>
           <a:p>
             <a:fld id="{9B618960-8005-486C-9A75-10CB2AAC16F9}" type="slidenum">
               <a:rPr lang="en-US" smtClean="0"/>
+              <a:t>2</a:t>
             </a:fld>
             <a:endParaRPr lang="en-US"/>
           </a:p>
@@ -3524,7 +3494,7 @@
           <p:nvPr/>
         </p:nvPicPr>
         <p:blipFill>
-          <a:blip r:embed="rId1"/>
+          <a:blip r:embed="rId2"/>
           <a:stretch>
             <a:fillRect/>
           </a:stretch>
@@ -3556,25 +3526,14 @@
         <p:cNvGrpSpPr/>
         <p:nvPr/>
       </p:nvGrpSpPr>
-      <p:grpSpPr/>
-      <p:sp>
-        <p:nvSpPr>
-          <p:cNvPr id="2" name="Title 1"/>
-          <p:cNvSpPr>
-            <a:spLocks noGrp="1"/>
-          </p:cNvSpPr>
-          <p:nvPr>
-            <p:ph type="title"/>
-          </p:nvPr>
-        </p:nvSpPr>
-        <p:spPr/>
-        <p:txBody>
-          <a:bodyPr/>
-          <a:p>
-            <a:endParaRPr lang="en-US"/>
-          </a:p>
-        </p:txBody>
-      </p:sp>
+      <p:grpSpPr>
+        <a:xfrm>
+          <a:off x="0" y="0"/>
+          <a:ext cx="0" cy="0"/>
+          <a:chOff x="0" y="0"/>
+          <a:chExt cx="0" cy="0"/>
+        </a:xfrm>
+      </p:grpSpPr>
       <p:sp>
         <p:nvSpPr>
           <p:cNvPr id="4" name="Slide Number Placeholder 3"/>
@@ -3588,9 +3547,11 @@
         <p:spPr/>
         <p:txBody>
           <a:bodyPr/>
+          <a:lstStyle/>
           <a:p>
             <a:fld id="{9B618960-8005-486C-9A75-10CB2AAC16F9}" type="slidenum">
               <a:rPr lang="en-US" smtClean="0"/>
+              <a:t>3</a:t>
             </a:fld>
             <a:endParaRPr lang="en-US"/>
           </a:p>
@@ -3600,14 +3561,14 @@
         <p:nvPicPr>
           <p:cNvPr id="5" name="Content Placeholder 4"/>
           <p:cNvPicPr>
-            <a:picLocks noChangeAspect="1"/>
+            <a:picLocks noGrp="1" noChangeAspect="1"/>
           </p:cNvPicPr>
           <p:nvPr>
             <p:ph idx="1"/>
           </p:nvPr>
         </p:nvPicPr>
         <p:blipFill>
-          <a:blip r:embed="rId1"/>
+          <a:blip r:embed="rId2"/>
           <a:stretch>
             <a:fillRect/>
           </a:stretch>
@@ -3639,25 +3600,14 @@
         <p:cNvGrpSpPr/>
         <p:nvPr/>
       </p:nvGrpSpPr>
-      <p:grpSpPr/>
-      <p:sp>
-        <p:nvSpPr>
-          <p:cNvPr id="2" name="Title 1"/>
-          <p:cNvSpPr>
-            <a:spLocks noGrp="1"/>
-          </p:cNvSpPr>
-          <p:nvPr>
-            <p:ph type="title"/>
-          </p:nvPr>
-        </p:nvSpPr>
-        <p:spPr/>
-        <p:txBody>
-          <a:bodyPr/>
-          <a:p>
-            <a:endParaRPr lang="en-US"/>
-          </a:p>
-        </p:txBody>
-      </p:sp>
+      <p:grpSpPr>
+        <a:xfrm>
+          <a:off x="0" y="0"/>
+          <a:ext cx="0" cy="0"/>
+          <a:chOff x="0" y="0"/>
+          <a:chExt cx="0" cy="0"/>
+        </a:xfrm>
+      </p:grpSpPr>
       <p:sp>
         <p:nvSpPr>
           <p:cNvPr id="4" name="Slide Number Placeholder 3"/>
@@ -3671,9 +3621,11 @@
         <p:spPr/>
         <p:txBody>
           <a:bodyPr/>
+          <a:lstStyle/>
           <a:p>
             <a:fld id="{9B618960-8005-486C-9A75-10CB2AAC16F9}" type="slidenum">
               <a:rPr lang="en-US" smtClean="0"/>
+              <a:t>4</a:t>
             </a:fld>
             <a:endParaRPr lang="en-US"/>
           </a:p>
@@ -3683,14 +3635,14 @@
         <p:nvPicPr>
           <p:cNvPr id="5" name="Content Placeholder 4"/>
           <p:cNvPicPr>
-            <a:picLocks noChangeAspect="1"/>
+            <a:picLocks noGrp="1" noChangeAspect="1"/>
           </p:cNvPicPr>
           <p:nvPr>
             <p:ph idx="1"/>
           </p:nvPr>
         </p:nvPicPr>
         <p:blipFill>
-          <a:blip r:embed="rId1"/>
+          <a:blip r:embed="rId2"/>
           <a:stretch>
             <a:fillRect/>
           </a:stretch>
@@ -3722,25 +3674,14 @@
         <p:cNvGrpSpPr/>
         <p:nvPr/>
       </p:nvGrpSpPr>
-      <p:grpSpPr/>
-      <p:sp>
-        <p:nvSpPr>
-          <p:cNvPr id="2" name="Title 1"/>
-          <p:cNvSpPr>
-            <a:spLocks noGrp="1"/>
-          </p:cNvSpPr>
-          <p:nvPr>
-            <p:ph type="title"/>
-          </p:nvPr>
-        </p:nvSpPr>
-        <p:spPr/>
-        <p:txBody>
-          <a:bodyPr/>
-          <a:p>
-            <a:endParaRPr lang="en-US"/>
-          </a:p>
-        </p:txBody>
-      </p:sp>
+      <p:grpSpPr>
+        <a:xfrm>
+          <a:off x="0" y="0"/>
+          <a:ext cx="0" cy="0"/>
+          <a:chOff x="0" y="0"/>
+          <a:chExt cx="0" cy="0"/>
+        </a:xfrm>
+      </p:grpSpPr>
       <p:sp>
         <p:nvSpPr>
           <p:cNvPr id="4" name="Slide Number Placeholder 3"/>
@@ -3754,9 +3695,11 @@
         <p:spPr/>
         <p:txBody>
           <a:bodyPr/>
+          <a:lstStyle/>
           <a:p>
             <a:fld id="{9B618960-8005-486C-9A75-10CB2AAC16F9}" type="slidenum">
               <a:rPr lang="en-US" smtClean="0"/>
+              <a:t>5</a:t>
             </a:fld>
             <a:endParaRPr lang="en-US"/>
           </a:p>
@@ -3766,14 +3709,14 @@
         <p:nvPicPr>
           <p:cNvPr id="5" name="Content Placeholder 4"/>
           <p:cNvPicPr>
-            <a:picLocks noChangeAspect="1"/>
+            <a:picLocks noGrp="1" noChangeAspect="1"/>
           </p:cNvPicPr>
           <p:nvPr>
             <p:ph idx="1"/>
           </p:nvPr>
         </p:nvPicPr>
         <p:blipFill>
-          <a:blip r:embed="rId1"/>
+          <a:blip r:embed="rId2"/>
           <a:stretch>
             <a:fillRect/>
           </a:stretch>
@@ -3805,25 +3748,14 @@
         <p:cNvGrpSpPr/>
         <p:nvPr/>
       </p:nvGrpSpPr>
-      <p:grpSpPr/>
-      <p:sp>
-        <p:nvSpPr>
-          <p:cNvPr id="2" name="Title 1"/>
-          <p:cNvSpPr>
-            <a:spLocks noGrp="1"/>
-          </p:cNvSpPr>
-          <p:nvPr>
-            <p:ph type="title"/>
-          </p:nvPr>
-        </p:nvSpPr>
-        <p:spPr/>
-        <p:txBody>
-          <a:bodyPr/>
-          <a:p>
-            <a:endParaRPr lang="en-US"/>
-          </a:p>
-        </p:txBody>
-      </p:sp>
+      <p:grpSpPr>
+        <a:xfrm>
+          <a:off x="0" y="0"/>
+          <a:ext cx="0" cy="0"/>
+          <a:chOff x="0" y="0"/>
+          <a:chExt cx="0" cy="0"/>
+        </a:xfrm>
+      </p:grpSpPr>
       <p:sp>
         <p:nvSpPr>
           <p:cNvPr id="4" name="Slide Number Placeholder 3"/>
@@ -3837,9 +3769,11 @@
         <p:spPr/>
         <p:txBody>
           <a:bodyPr/>
+          <a:lstStyle/>
           <a:p>
             <a:fld id="{9B618960-8005-486C-9A75-10CB2AAC16F9}" type="slidenum">
               <a:rPr lang="en-US" smtClean="0"/>
+              <a:t>6</a:t>
             </a:fld>
             <a:endParaRPr lang="en-US"/>
           </a:p>
@@ -3849,14 +3783,14 @@
         <p:nvPicPr>
           <p:cNvPr id="5" name="Content Placeholder 4"/>
           <p:cNvPicPr>
-            <a:picLocks noChangeAspect="1"/>
+            <a:picLocks noGrp="1" noChangeAspect="1"/>
           </p:cNvPicPr>
           <p:nvPr>
             <p:ph idx="1"/>
           </p:nvPr>
         </p:nvPicPr>
         <p:blipFill>
-          <a:blip r:embed="rId1"/>
+          <a:blip r:embed="rId2"/>
           <a:stretch>
             <a:fillRect/>
           </a:stretch>
@@ -3888,7 +3822,14 @@
         <p:cNvGrpSpPr/>
         <p:nvPr/>
       </p:nvGrpSpPr>
-      <p:grpSpPr/>
+      <p:grpSpPr>
+        <a:xfrm>
+          <a:off x="0" y="0"/>
+          <a:ext cx="0" cy="0"/>
+          <a:chOff x="0" y="0"/>
+          <a:chExt cx="0" cy="0"/>
+        </a:xfrm>
+      </p:grpSpPr>
       <p:sp>
         <p:nvSpPr>
           <p:cNvPr id="2" name="Title 1"/>
@@ -3902,6 +3843,7 @@
         <p:spPr/>
         <p:txBody>
           <a:bodyPr/>
+          <a:lstStyle/>
           <a:p>
             <a:endParaRPr lang="en-US"/>
           </a:p>
@@ -3920,9 +3862,11 @@
         <p:spPr/>
         <p:txBody>
           <a:bodyPr/>
+          <a:lstStyle/>
           <a:p>
             <a:fld id="{9B618960-8005-486C-9A75-10CB2AAC16F9}" type="slidenum">
               <a:rPr lang="en-US" smtClean="0"/>
+              <a:t>7</a:t>
             </a:fld>
             <a:endParaRPr lang="en-US"/>
           </a:p>
@@ -3932,14 +3876,14 @@
         <p:nvPicPr>
           <p:cNvPr id="5" name="Content Placeholder 4"/>
           <p:cNvPicPr>
-            <a:picLocks noChangeAspect="1"/>
+            <a:picLocks noGrp="1" noChangeAspect="1"/>
           </p:cNvPicPr>
           <p:nvPr>
             <p:ph idx="1"/>
           </p:nvPr>
         </p:nvPicPr>
         <p:blipFill>
-          <a:blip r:embed="rId1"/>
+          <a:blip r:embed="rId2"/>
           <a:stretch>
             <a:fillRect/>
           </a:stretch>
@@ -3971,25 +3915,14 @@
         <p:cNvGrpSpPr/>
         <p:nvPr/>
       </p:nvGrpSpPr>
-      <p:grpSpPr/>
-      <p:sp>
-        <p:nvSpPr>
-          <p:cNvPr id="2" name="Title 1"/>
-          <p:cNvSpPr>
-            <a:spLocks noGrp="1"/>
-          </p:cNvSpPr>
-          <p:nvPr>
-            <p:ph type="title"/>
-          </p:nvPr>
-        </p:nvSpPr>
-        <p:spPr/>
-        <p:txBody>
-          <a:bodyPr/>
-          <a:p>
-            <a:endParaRPr lang="en-US"/>
-          </a:p>
-        </p:txBody>
-      </p:sp>
+      <p:grpSpPr>
+        <a:xfrm>
+          <a:off x="0" y="0"/>
+          <a:ext cx="0" cy="0"/>
+          <a:chOff x="0" y="0"/>
+          <a:chExt cx="0" cy="0"/>
+        </a:xfrm>
+      </p:grpSpPr>
       <p:sp>
         <p:nvSpPr>
           <p:cNvPr id="4" name="Slide Number Placeholder 3"/>
@@ -4003,34 +3936,65 @@
         <p:spPr/>
         <p:txBody>
           <a:bodyPr/>
+          <a:lstStyle/>
           <a:p>
             <a:fld id="{9B618960-8005-486C-9A75-10CB2AAC16F9}" type="slidenum">
               <a:rPr lang="en-US" smtClean="0"/>
+              <a:t>8</a:t>
             </a:fld>
+            <a:endParaRPr lang="en-US"/>
+          </a:p>
+        </p:txBody>
+      </p:sp>
+      <p:sp>
+        <p:nvSpPr>
+          <p:cNvPr id="8" name="Content Placeholder 7">
+            <a:extLst>
+              <a:ext uri="{FF2B5EF4-FFF2-40B4-BE49-F238E27FC236}">
+                <a16:creationId xmlns:a16="http://schemas.microsoft.com/office/drawing/2014/main" id="{6632B248-867F-639B-7CA8-AF430F004233}"/>
+              </a:ext>
+            </a:extLst>
+          </p:cNvPr>
+          <p:cNvSpPr>
+            <a:spLocks noGrp="1"/>
+          </p:cNvSpPr>
+          <p:nvPr>
+            <p:ph idx="1"/>
+          </p:nvPr>
+        </p:nvSpPr>
+        <p:spPr/>
+        <p:txBody>
+          <a:bodyPr/>
+          <a:lstStyle/>
+          <a:p>
             <a:endParaRPr lang="en-US"/>
           </a:p>
         </p:txBody>
       </p:sp>
       <p:pic>
         <p:nvPicPr>
-          <p:cNvPr id="5" name="Content Placeholder 4"/>
+          <p:cNvPr id="10" name="Picture 9">
+            <a:extLst>
+              <a:ext uri="{FF2B5EF4-FFF2-40B4-BE49-F238E27FC236}">
+                <a16:creationId xmlns:a16="http://schemas.microsoft.com/office/drawing/2014/main" id="{93BF8B6D-527A-2706-2886-CE41ED6F0599}"/>
+              </a:ext>
+            </a:extLst>
+          </p:cNvPr>
           <p:cNvPicPr>
             <a:picLocks noChangeAspect="1"/>
           </p:cNvPicPr>
-          <p:nvPr>
-            <p:ph idx="1"/>
-          </p:nvPr>
+          <p:nvPr/>
         </p:nvPicPr>
         <p:blipFill>
-          <a:blip r:embed="rId1"/>
+          <a:blip r:embed="rId2"/>
           <a:stretch>
             <a:fillRect/>
           </a:stretch>
         </p:blipFill>
         <p:spPr>
           <a:xfrm>
-            <a:off x="813435" y="867410"/>
-            <a:ext cx="10540365" cy="5123815"/>
+            <a:off x="0" y="394447"/>
+            <a:ext cx="12254753" cy="6069106"/>
           </a:xfrm>
           <a:prstGeom prst="rect">
             <a:avLst/>
@@ -4054,7 +4018,14 @@
         <p:cNvGrpSpPr/>
         <p:nvPr/>
       </p:nvGrpSpPr>
-      <p:grpSpPr/>
+      <p:grpSpPr>
+        <a:xfrm>
+          <a:off x="0" y="0"/>
+          <a:ext cx="0" cy="0"/>
+          <a:chOff x="0" y="0"/>
+          <a:chExt cx="0" cy="0"/>
+        </a:xfrm>
+      </p:grpSpPr>
       <p:sp>
         <p:nvSpPr>
           <p:cNvPr id="2" name="Title 1"/>
@@ -4068,6 +4039,7 @@
         <p:spPr/>
         <p:txBody>
           <a:bodyPr/>
+          <a:lstStyle/>
           <a:p>
             <a:endParaRPr lang="en-US"/>
           </a:p>
@@ -4086,9 +4058,11 @@
         <p:spPr/>
         <p:txBody>
           <a:bodyPr/>
+          <a:lstStyle/>
           <a:p>
             <a:fld id="{9B618960-8005-486C-9A75-10CB2AAC16F9}" type="slidenum">
               <a:rPr lang="en-US" smtClean="0"/>
+              <a:t>9</a:t>
             </a:fld>
             <a:endParaRPr lang="en-US"/>
           </a:p>
@@ -4098,14 +4072,14 @@
         <p:nvPicPr>
           <p:cNvPr id="5" name="Content Placeholder 4"/>
           <p:cNvPicPr>
-            <a:picLocks noChangeAspect="1"/>
+            <a:picLocks noGrp="1" noChangeAspect="1"/>
           </p:cNvPicPr>
           <p:nvPr>
             <p:ph idx="1"/>
           </p:nvPr>
         </p:nvPicPr>
         <p:blipFill>
-          <a:blip r:embed="rId1"/>
+          <a:blip r:embed="rId2"/>
           <a:stretch>
             <a:fillRect/>
           </a:stretch>
@@ -4379,6 +4353,8 @@
       </a:bgFillStyleLst>
     </a:fmtScheme>
   </a:themeElements>
+  <a:objectDefaults/>
+  <a:extraClrSchemeLst/>
   <a:extLst>
     <a:ext uri="{05A4C25C-085E-4340-85A3-A5531E510DB2}">
       <thm15:themeFamily xmlns:thm15="http://schemas.microsoft.com/office/thememl/2012/main" name="Office Theme" id="{62F939B6-93AF-4DB8-9C6B-D6C7DFDC589F}" vid="{4A3C46E8-61CC-4603-A589-7422A47A8E4A}"/>
@@ -4638,6 +4614,8 @@
       </a:bgFillStyleLst>
     </a:fmtScheme>
   </a:themeElements>
+  <a:objectDefaults/>
+  <a:extraClrSchemeLst/>
   <a:extLst>
     <a:ext uri="{05A4C25C-085E-4340-85A3-A5531E510DB2}">
       <thm15:themeFamily xmlns:thm15="http://schemas.microsoft.com/office/thememl/2012/main" name="Office Theme" id="{62F939B6-93AF-4DB8-9C6B-D6C7DFDC589F}" vid="{4A3C46E8-61CC-4603-A589-7422A47A8E4A}"/>
